--- a/R/Final_Project_Presentation.pptx
+++ b/R/Final_Project_Presentation.pptx
@@ -21,8 +21,14 @@
     <p:sldId id="271" r:id="rId15"/>
     <p:sldId id="272" r:id="rId16"/>
     <p:sldId id="274" r:id="rId17"/>
-    <p:sldId id="265" r:id="rId18"/>
-    <p:sldId id="266" r:id="rId19"/>
+    <p:sldId id="275" r:id="rId18"/>
+    <p:sldId id="276" r:id="rId19"/>
+    <p:sldId id="277" r:id="rId20"/>
+    <p:sldId id="278" r:id="rId21"/>
+    <p:sldId id="265" r:id="rId22"/>
+    <p:sldId id="266" r:id="rId23"/>
+    <p:sldId id="279" r:id="rId24"/>
+    <p:sldId id="280" r:id="rId25"/>
   </p:sldIdLst>
   <p:sldSz cx="12192000" cy="6858000"/>
   <p:notesSz cx="6858000" cy="9144000"/>
@@ -321,7 +327,7 @@
             <a:fld id="{B61BEF0D-F0BB-DE4B-95CE-6DB70DBA9567}" type="datetimeFigureOut">
               <a:rPr lang="en-US" dirty="0"/>
               <a:pPr/>
-              <a:t>12/12/2014</a:t>
+              <a:t>12/15/2014</a:t>
             </a:fld>
             <a:endParaRPr lang="en-US" dirty="0"/>
           </a:p>
@@ -754,7 +760,7 @@
             <a:fld id="{B61BEF0D-F0BB-DE4B-95CE-6DB70DBA9567}" type="datetimeFigureOut">
               <a:rPr lang="en-US" dirty="0"/>
               <a:pPr/>
-              <a:t>12/12/2014</a:t>
+              <a:t>12/15/2014</a:t>
             </a:fld>
             <a:endParaRPr lang="en-US" dirty="0"/>
           </a:p>
@@ -1001,7 +1007,7 @@
             <a:fld id="{B61BEF0D-F0BB-DE4B-95CE-6DB70DBA9567}" type="datetimeFigureOut">
               <a:rPr lang="en-US" dirty="0"/>
               <a:pPr/>
-              <a:t>12/12/2014</a:t>
+              <a:t>12/15/2014</a:t>
             </a:fld>
             <a:endParaRPr lang="en-US" dirty="0"/>
           </a:p>
@@ -1306,7 +1312,7 @@
             <a:fld id="{B61BEF0D-F0BB-DE4B-95CE-6DB70DBA9567}" type="datetimeFigureOut">
               <a:rPr lang="en-US" dirty="0"/>
               <a:pPr/>
-              <a:t>12/12/2014</a:t>
+              <a:t>12/15/2014</a:t>
             </a:fld>
             <a:endParaRPr lang="en-US" dirty="0"/>
           </a:p>
@@ -1621,7 +1627,7 @@
             <a:fld id="{B61BEF0D-F0BB-DE4B-95CE-6DB70DBA9567}" type="datetimeFigureOut">
               <a:rPr lang="en-US" dirty="0"/>
               <a:pPr/>
-              <a:t>12/12/2014</a:t>
+              <a:t>12/15/2014</a:t>
             </a:fld>
             <a:endParaRPr lang="en-US" dirty="0"/>
           </a:p>
@@ -1920,7 +1926,7 @@
             <a:fld id="{B61BEF0D-F0BB-DE4B-95CE-6DB70DBA9567}" type="datetimeFigureOut">
               <a:rPr lang="en-US" dirty="0"/>
               <a:pPr/>
-              <a:t>12/12/2014</a:t>
+              <a:t>12/15/2014</a:t>
             </a:fld>
             <a:endParaRPr lang="en-US" dirty="0"/>
           </a:p>
@@ -2284,7 +2290,7 @@
             <a:fld id="{B61BEF0D-F0BB-DE4B-95CE-6DB70DBA9567}" type="datetimeFigureOut">
               <a:rPr lang="en-US" dirty="0"/>
               <a:pPr/>
-              <a:t>12/12/2014</a:t>
+              <a:t>12/15/2014</a:t>
             </a:fld>
             <a:endParaRPr lang="en-US" dirty="0"/>
           </a:p>
@@ -2455,7 +2461,7 @@
             <a:fld id="{B61BEF0D-F0BB-DE4B-95CE-6DB70DBA9567}" type="datetimeFigureOut">
               <a:rPr lang="en-US" dirty="0"/>
               <a:pPr/>
-              <a:t>12/12/2014</a:t>
+              <a:t>12/15/2014</a:t>
             </a:fld>
             <a:endParaRPr lang="en-US" dirty="0"/>
           </a:p>
@@ -2632,7 +2638,7 @@
             <a:fld id="{B61BEF0D-F0BB-DE4B-95CE-6DB70DBA9567}" type="datetimeFigureOut">
               <a:rPr lang="en-US" dirty="0"/>
               <a:pPr/>
-              <a:t>12/12/2014</a:t>
+              <a:t>12/15/2014</a:t>
             </a:fld>
             <a:endParaRPr lang="en-US" dirty="0"/>
           </a:p>
@@ -2799,7 +2805,7 @@
             <a:fld id="{B61BEF0D-F0BB-DE4B-95CE-6DB70DBA9567}" type="datetimeFigureOut">
               <a:rPr lang="en-US" dirty="0"/>
               <a:pPr/>
-              <a:t>12/12/2014</a:t>
+              <a:t>12/15/2014</a:t>
             </a:fld>
             <a:endParaRPr lang="en-US" dirty="0"/>
           </a:p>
@@ -3046,7 +3052,7 @@
             <a:fld id="{B61BEF0D-F0BB-DE4B-95CE-6DB70DBA9567}" type="datetimeFigureOut">
               <a:rPr lang="en-US" dirty="0"/>
               <a:pPr/>
-              <a:t>12/12/2014</a:t>
+              <a:t>12/15/2014</a:t>
             </a:fld>
             <a:endParaRPr lang="en-US" dirty="0"/>
           </a:p>
@@ -3279,7 +3285,7 @@
             <a:fld id="{B61BEF0D-F0BB-DE4B-95CE-6DB70DBA9567}" type="datetimeFigureOut">
               <a:rPr lang="en-US" dirty="0"/>
               <a:pPr/>
-              <a:t>12/12/2014</a:t>
+              <a:t>12/15/2014</a:t>
             </a:fld>
             <a:endParaRPr lang="en-US" dirty="0"/>
           </a:p>
@@ -3658,7 +3664,7 @@
             <a:fld id="{B61BEF0D-F0BB-DE4B-95CE-6DB70DBA9567}" type="datetimeFigureOut">
               <a:rPr lang="en-US" dirty="0"/>
               <a:pPr/>
-              <a:t>12/12/2014</a:t>
+              <a:t>12/15/2014</a:t>
             </a:fld>
             <a:endParaRPr lang="en-US" dirty="0"/>
           </a:p>
@@ -3773,7 +3779,7 @@
             <a:fld id="{B61BEF0D-F0BB-DE4B-95CE-6DB70DBA9567}" type="datetimeFigureOut">
               <a:rPr lang="en-US" dirty="0"/>
               <a:pPr/>
-              <a:t>12/12/2014</a:t>
+              <a:t>12/15/2014</a:t>
             </a:fld>
             <a:endParaRPr lang="en-US" dirty="0"/>
           </a:p>
@@ -3865,7 +3871,7 @@
             <a:fld id="{B61BEF0D-F0BB-DE4B-95CE-6DB70DBA9567}" type="datetimeFigureOut">
               <a:rPr lang="en-US" dirty="0"/>
               <a:pPr/>
-              <a:t>12/12/2014</a:t>
+              <a:t>12/15/2014</a:t>
             </a:fld>
             <a:endParaRPr lang="en-US" dirty="0"/>
           </a:p>
@@ -4117,7 +4123,7 @@
             <a:fld id="{B61BEF0D-F0BB-DE4B-95CE-6DB70DBA9567}" type="datetimeFigureOut">
               <a:rPr lang="en-US" dirty="0"/>
               <a:pPr/>
-              <a:t>12/12/2014</a:t>
+              <a:t>12/15/2014</a:t>
             </a:fld>
             <a:endParaRPr lang="en-US" dirty="0"/>
           </a:p>
@@ -4397,7 +4403,7 @@
             <a:fld id="{B61BEF0D-F0BB-DE4B-95CE-6DB70DBA9567}" type="datetimeFigureOut">
               <a:rPr lang="en-US" dirty="0"/>
               <a:pPr/>
-              <a:t>12/12/2014</a:t>
+              <a:t>12/15/2014</a:t>
             </a:fld>
             <a:endParaRPr lang="en-US" dirty="0"/>
           </a:p>
@@ -4800,7 +4806,7 @@
             <a:fld id="{B61BEF0D-F0BB-DE4B-95CE-6DB70DBA9567}" type="datetimeFigureOut">
               <a:rPr lang="en-US" dirty="0"/>
               <a:pPr/>
-              <a:t>12/12/2014</a:t>
+              <a:t>12/15/2014</a:t>
             </a:fld>
             <a:endParaRPr lang="en-US" dirty="0"/>
           </a:p>
@@ -5603,6 +5609,13 @@
   <p:clrMapOvr>
     <a:masterClrMapping/>
   </p:clrMapOvr>
+  <p:timing>
+    <p:tnLst>
+      <p:par>
+        <p:cTn id="1" dur="indefinite" restart="never" nodeType="tmRoot"/>
+      </p:par>
+    </p:tnLst>
+  </p:timing>
 </p:sld>
 </file>
 
@@ -5691,6 +5704,13 @@
   <p:clrMapOvr>
     <a:masterClrMapping/>
   </p:clrMapOvr>
+  <p:timing>
+    <p:tnLst>
+      <p:par>
+        <p:cTn id="1" dur="indefinite" restart="never" nodeType="tmRoot"/>
+      </p:par>
+    </p:tnLst>
+  </p:timing>
 </p:sld>
 </file>
 
@@ -5777,6 +5797,13 @@
   <p:clrMapOvr>
     <a:masterClrMapping/>
   </p:clrMapOvr>
+  <p:timing>
+    <p:tnLst>
+      <p:par>
+        <p:cTn id="1" dur="indefinite" restart="never" nodeType="tmRoot"/>
+      </p:par>
+    </p:tnLst>
+  </p:timing>
 </p:sld>
 </file>
 
@@ -6012,6 +6039,13 @@
   <p:clrMapOvr>
     <a:masterClrMapping/>
   </p:clrMapOvr>
+  <p:timing>
+    <p:tnLst>
+      <p:par>
+        <p:cTn id="1" dur="indefinite" restart="never" nodeType="tmRoot"/>
+      </p:par>
+    </p:tnLst>
+  </p:timing>
 </p:sld>
 </file>
 
@@ -6103,6 +6137,13 @@
   <p:clrMapOvr>
     <a:masterClrMapping/>
   </p:clrMapOvr>
+  <p:timing>
+    <p:tnLst>
+      <p:par>
+        <p:cTn id="1" dur="indefinite" restart="never" nodeType="tmRoot"/>
+      </p:par>
+    </p:tnLst>
+  </p:timing>
 </p:sld>
 </file>
 
@@ -6358,6 +6399,13 @@
   <p:clrMapOvr>
     <a:masterClrMapping/>
   </p:clrMapOvr>
+  <p:timing>
+    <p:tnLst>
+      <p:par>
+        <p:cTn id="1" dur="indefinite" restart="never" nodeType="tmRoot"/>
+      </p:par>
+    </p:tnLst>
+  </p:timing>
 </p:sld>
 </file>
 
@@ -6395,7 +6443,7 @@
           <a:p>
             <a:r>
               <a:rPr lang="en-US" dirty="0" smtClean="0"/>
-              <a:t>Challenges</a:t>
+              <a:t>Use Case</a:t>
             </a:r>
             <a:endParaRPr lang="en-US" dirty="0"/>
           </a:p>
@@ -6418,25 +6466,21 @@
           <a:p>
             <a:r>
               <a:rPr lang="en-US" dirty="0" smtClean="0"/>
-              <a:t>75 % of time spent on data transformation (obtaining, transforming and cleaning the data)</a:t>
-            </a:r>
-          </a:p>
-          <a:p>
+              <a:t>Why Data Analysis?</a:t>
+            </a:r>
+          </a:p>
+          <a:p>
+            <a:pPr lvl="1"/>
             <a:r>
               <a:rPr lang="en-US" dirty="0" smtClean="0"/>
-              <a:t>Cannot understand why Stanford does not supply the data in csv form</a:t>
-            </a:r>
-          </a:p>
-          <a:p>
+              <a:t>Understanding the data (descriptive analysis)</a:t>
+            </a:r>
+          </a:p>
+          <a:p>
+            <a:pPr lvl="1"/>
             <a:r>
               <a:rPr lang="en-US" dirty="0" smtClean="0"/>
-              <a:t>Amazon website very difficult to parse – cannot directly identify required fields using CSS only, have to parse each row</a:t>
-            </a:r>
-          </a:p>
-          <a:p>
-            <a:r>
-              <a:rPr lang="en-US" dirty="0" smtClean="0"/>
-              <a:t>Alchemy API does not provide an API for R, therefore need to use HTML, much more challenging</a:t>
+              <a:t>Predicting the future (predictive analysis)</a:t>
             </a:r>
             <a:endParaRPr lang="en-US" dirty="0"/>
           </a:p>
@@ -6445,7 +6489,7 @@
     </p:spTree>
     <p:extLst>
       <p:ext uri="{BB962C8B-B14F-4D97-AF65-F5344CB8AC3E}">
-        <p14:creationId xmlns:p14="http://schemas.microsoft.com/office/powerpoint/2010/main" val="112217380"/>
+        <p14:creationId xmlns:p14="http://schemas.microsoft.com/office/powerpoint/2010/main" val="3443829135"/>
       </p:ext>
     </p:extLst>
   </p:cSld>
@@ -6491,64 +6535,431 @@
         </p:nvSpPr>
         <p:spPr/>
         <p:txBody>
-          <a:bodyPr/>
-          <a:lstStyle/>
-          <a:p>
-            <a:r>
-              <a:rPr lang="en-US" dirty="0" smtClean="0"/>
-              <a:t>Takeaways</a:t>
-            </a:r>
-            <a:endParaRPr lang="en-US" dirty="0"/>
-          </a:p>
-        </p:txBody>
-      </p:sp>
-      <p:sp>
-        <p:nvSpPr>
-          <p:cNvPr id="3" name="Content Placeholder 2"/>
-          <p:cNvSpPr>
-            <a:spLocks noGrp="1"/>
-          </p:cNvSpPr>
+          <a:bodyPr>
+            <a:normAutofit/>
+          </a:bodyPr>
+          <a:lstStyle/>
+          <a:p>
+            <a:r>
+              <a:rPr lang="en-US" sz="2800" dirty="0" smtClean="0"/>
+              <a:t>Use Case – Helpfulness vs Review Score</a:t>
+            </a:r>
+            <a:endParaRPr lang="en-US" sz="2800" dirty="0"/>
+          </a:p>
+        </p:txBody>
+      </p:sp>
+      <p:pic>
+        <p:nvPicPr>
+          <p:cNvPr id="4" name="Content Placeholder 3"/>
+          <p:cNvPicPr>
+            <a:picLocks noGrp="1" noChangeAspect="1"/>
+          </p:cNvPicPr>
           <p:nvPr>
             <p:ph idx="1"/>
           </p:nvPr>
-        </p:nvSpPr>
-        <p:spPr/>
-        <p:txBody>
-          <a:bodyPr/>
-          <a:lstStyle/>
-          <a:p>
-            <a:r>
-              <a:rPr lang="en-US" dirty="0" smtClean="0"/>
-              <a:t>Obtaining the data (acquiring, transformation and cleaning) is the most difficult part of data analytics</a:t>
-            </a:r>
-          </a:p>
-          <a:p>
-            <a:r>
-              <a:rPr lang="en-US" dirty="0" smtClean="0"/>
-              <a:t>Web scrapping should be the last resort – APIs first </a:t>
-            </a:r>
-          </a:p>
-          <a:p>
-            <a:r>
-              <a:rPr lang="en-US" dirty="0" smtClean="0"/>
-              <a:t>Tons and tons of tools available for data mash ups, which allow much more detailed information to be obtained</a:t>
-            </a:r>
-          </a:p>
-          <a:p>
-            <a:r>
-              <a:rPr lang="en-US" dirty="0" smtClean="0"/>
-              <a:t>R has the tm package for text mining and the sentiment package for sentiment analysis which provides similar functionality to that of Alchemy API</a:t>
-            </a:r>
-          </a:p>
-          <a:p>
-            <a:endParaRPr lang="en-US" dirty="0"/>
-          </a:p>
-        </p:txBody>
-      </p:sp>
+        </p:nvPicPr>
+        <p:blipFill>
+          <a:blip r:embed="rId2"/>
+          <a:stretch>
+            <a:fillRect/>
+          </a:stretch>
+        </p:blipFill>
+        <p:spPr>
+          <a:xfrm>
+            <a:off x="1370895" y="565485"/>
+            <a:ext cx="2941963" cy="3614738"/>
+          </a:xfrm>
+          <a:prstGeom prst="rect">
+            <a:avLst/>
+          </a:prstGeom>
+        </p:spPr>
+      </p:pic>
+      <p:graphicFrame>
+        <p:nvGraphicFramePr>
+          <p:cNvPr id="5" name="Table 4"/>
+          <p:cNvGraphicFramePr>
+            <a:graphicFrameLocks noGrp="1"/>
+          </p:cNvGraphicFramePr>
+          <p:nvPr>
+            <p:extLst>
+              <p:ext uri="{D42A27DB-BD31-4B8C-83A1-F6EECF244321}">
+                <p14:modId xmlns:p14="http://schemas.microsoft.com/office/powerpoint/2010/main" val="3547787028"/>
+              </p:ext>
+            </p:extLst>
+          </p:nvPr>
+        </p:nvGraphicFramePr>
+        <p:xfrm>
+          <a:off x="4483767" y="609601"/>
+          <a:ext cx="6112043" cy="1024466"/>
+        </p:xfrm>
+        <a:graphic>
+          <a:graphicData uri="http://schemas.openxmlformats.org/drawingml/2006/table">
+            <a:tbl>
+              <a:tblPr firstRow="1" bandRow="1">
+                <a:tableStyleId>{5C22544A-7EE6-4342-B048-85BDC9FD1C3A}</a:tableStyleId>
+              </a:tblPr>
+              <a:tblGrid>
+                <a:gridCol w="6112043"/>
+              </a:tblGrid>
+              <a:tr h="1024466">
+                <a:tc>
+                  <a:txBody>
+                    <a:bodyPr/>
+                    <a:lstStyle/>
+                    <a:p>
+                      <a:pPr marL="0" marR="0" indent="0" algn="l" defTabSz="457200" rtl="0" eaLnBrk="1" fontAlgn="auto" latinLnBrk="0" hangingPunct="1">
+                        <a:lnSpc>
+                          <a:spcPct val="100000"/>
+                        </a:lnSpc>
+                        <a:spcBef>
+                          <a:spcPts val="0"/>
+                        </a:spcBef>
+                        <a:spcAft>
+                          <a:spcPts val="0"/>
+                        </a:spcAft>
+                        <a:buClrTx/>
+                        <a:buSzTx/>
+                        <a:buFontTx/>
+                        <a:buNone/>
+                        <a:tabLst/>
+                        <a:defRPr/>
+                      </a:pPr>
+                      <a:r>
+                        <a:rPr lang="en-US" sz="1400" dirty="0" smtClean="0"/>
+                        <a:t>Multiple R-squared:  0.0009269,	Adjusted R-squared:  0.0008986 </a:t>
+                      </a:r>
+                    </a:p>
+                    <a:p>
+                      <a:endParaRPr lang="en-US" dirty="0"/>
+                    </a:p>
+                  </a:txBody>
+                  <a:tcPr/>
+                </a:tc>
+              </a:tr>
+            </a:tbl>
+          </a:graphicData>
+        </a:graphic>
+      </p:graphicFrame>
     </p:spTree>
     <p:extLst>
       <p:ext uri="{BB962C8B-B14F-4D97-AF65-F5344CB8AC3E}">
-        <p14:creationId xmlns:p14="http://schemas.microsoft.com/office/powerpoint/2010/main" val="3890269560"/>
+        <p14:creationId xmlns:p14="http://schemas.microsoft.com/office/powerpoint/2010/main" val="2484443430"/>
+      </p:ext>
+    </p:extLst>
+  </p:cSld>
+  <p:clrMapOvr>
+    <a:masterClrMapping/>
+  </p:clrMapOvr>
+  <p:timing>
+    <p:tnLst>
+      <p:par>
+        <p:cTn id="1" dur="indefinite" restart="never" nodeType="tmRoot"/>
+      </p:par>
+    </p:tnLst>
+  </p:timing>
+</p:sld>
+</file>
+
+<file path=ppt/slides/slide19.xml><?xml version="1.0" encoding="utf-8"?>
+<p:sld xmlns:a="http://schemas.openxmlformats.org/drawingml/2006/main" xmlns:r="http://schemas.openxmlformats.org/officeDocument/2006/relationships" xmlns:p="http://schemas.openxmlformats.org/presentationml/2006/main">
+  <p:cSld>
+    <p:spTree>
+      <p:nvGrpSpPr>
+        <p:cNvPr id="1" name=""/>
+        <p:cNvGrpSpPr/>
+        <p:nvPr/>
+      </p:nvGrpSpPr>
+      <p:grpSpPr>
+        <a:xfrm>
+          <a:off x="0" y="0"/>
+          <a:ext cx="0" cy="0"/>
+          <a:chOff x="0" y="0"/>
+          <a:chExt cx="0" cy="0"/>
+        </a:xfrm>
+      </p:grpSpPr>
+      <p:sp>
+        <p:nvSpPr>
+          <p:cNvPr id="2" name="Title 1"/>
+          <p:cNvSpPr>
+            <a:spLocks noGrp="1"/>
+          </p:cNvSpPr>
+          <p:nvPr>
+            <p:ph type="title"/>
+          </p:nvPr>
+        </p:nvSpPr>
+        <p:spPr/>
+        <p:txBody>
+          <a:bodyPr>
+            <a:normAutofit/>
+          </a:bodyPr>
+          <a:lstStyle/>
+          <a:p>
+            <a:r>
+              <a:rPr lang="en-US" sz="2800" dirty="0" smtClean="0"/>
+              <a:t>Use Case – Helpfulness vs Review Score</a:t>
+            </a:r>
+            <a:endParaRPr lang="en-US" sz="2800" dirty="0"/>
+          </a:p>
+        </p:txBody>
+      </p:sp>
+      <p:pic>
+        <p:nvPicPr>
+          <p:cNvPr id="4" name="Content Placeholder 3"/>
+          <p:cNvPicPr>
+            <a:picLocks noGrp="1" noChangeAspect="1"/>
+          </p:cNvPicPr>
+          <p:nvPr>
+            <p:ph idx="1"/>
+          </p:nvPr>
+        </p:nvPicPr>
+        <p:blipFill>
+          <a:blip r:embed="rId2"/>
+          <a:stretch>
+            <a:fillRect/>
+          </a:stretch>
+        </p:blipFill>
+        <p:spPr>
+          <a:xfrm>
+            <a:off x="1370895" y="565485"/>
+            <a:ext cx="2941963" cy="3614738"/>
+          </a:xfrm>
+          <a:prstGeom prst="rect">
+            <a:avLst/>
+          </a:prstGeom>
+        </p:spPr>
+      </p:pic>
+      <p:graphicFrame>
+        <p:nvGraphicFramePr>
+          <p:cNvPr id="5" name="Table 4"/>
+          <p:cNvGraphicFramePr>
+            <a:graphicFrameLocks noGrp="1"/>
+          </p:cNvGraphicFramePr>
+          <p:nvPr>
+            <p:extLst>
+              <p:ext uri="{D42A27DB-BD31-4B8C-83A1-F6EECF244321}">
+                <p14:modId xmlns:p14="http://schemas.microsoft.com/office/powerpoint/2010/main" val="1751552538"/>
+              </p:ext>
+            </p:extLst>
+          </p:nvPr>
+        </p:nvGraphicFramePr>
+        <p:xfrm>
+          <a:off x="4483767" y="609601"/>
+          <a:ext cx="6112043" cy="3570622"/>
+        </p:xfrm>
+        <a:graphic>
+          <a:graphicData uri="http://schemas.openxmlformats.org/drawingml/2006/table">
+            <a:tbl>
+              <a:tblPr firstRow="1" bandRow="1">
+                <a:tableStyleId>{5C22544A-7EE6-4342-B048-85BDC9FD1C3A}</a:tableStyleId>
+              </a:tblPr>
+              <a:tblGrid>
+                <a:gridCol w="6112043"/>
+              </a:tblGrid>
+              <a:tr h="3570622">
+                <a:tc>
+                  <a:txBody>
+                    <a:bodyPr/>
+                    <a:lstStyle/>
+                    <a:p>
+                      <a:pPr marL="0" marR="0" indent="0" algn="l" defTabSz="457200" rtl="0" eaLnBrk="1" fontAlgn="auto" latinLnBrk="0" hangingPunct="1">
+                        <a:lnSpc>
+                          <a:spcPct val="100000"/>
+                        </a:lnSpc>
+                        <a:spcBef>
+                          <a:spcPts val="0"/>
+                        </a:spcBef>
+                        <a:spcAft>
+                          <a:spcPts val="0"/>
+                        </a:spcAft>
+                        <a:buClrTx/>
+                        <a:buSzTx/>
+                        <a:buFontTx/>
+                        <a:buNone/>
+                        <a:tabLst/>
+                        <a:defRPr/>
+                      </a:pPr>
+                      <a:r>
+                        <a:rPr lang="en-US" sz="1800" dirty="0" smtClean="0"/>
+                        <a:t>What dose</a:t>
+                      </a:r>
+                      <a:r>
+                        <a:rPr lang="en-US" sz="1800" baseline="0" dirty="0" smtClean="0"/>
+                        <a:t> this mean?</a:t>
+                      </a:r>
+                    </a:p>
+                    <a:p>
+                      <a:pPr marL="285750" marR="0" indent="-285750" algn="l" defTabSz="457200" rtl="0" eaLnBrk="1" fontAlgn="auto" latinLnBrk="0" hangingPunct="1">
+                        <a:lnSpc>
+                          <a:spcPct val="100000"/>
+                        </a:lnSpc>
+                        <a:spcBef>
+                          <a:spcPts val="0"/>
+                        </a:spcBef>
+                        <a:spcAft>
+                          <a:spcPts val="0"/>
+                        </a:spcAft>
+                        <a:buClrTx/>
+                        <a:buSzTx/>
+                        <a:buFont typeface="Arial" panose="020B0604020202020204" pitchFamily="34" charset="0"/>
+                        <a:buChar char="•"/>
+                        <a:tabLst/>
+                        <a:defRPr/>
+                      </a:pPr>
+                      <a:r>
+                        <a:rPr lang="en-US" dirty="0" smtClean="0"/>
+                        <a:t>Both negative and positive reviews are regarded</a:t>
+                      </a:r>
+                      <a:r>
+                        <a:rPr lang="en-US" baseline="0" dirty="0" smtClean="0"/>
+                        <a:t> as important by customers</a:t>
+                      </a:r>
+                    </a:p>
+                    <a:p>
+                      <a:pPr marL="285750" marR="0" indent="-285750" algn="l" defTabSz="457200" rtl="0" eaLnBrk="1" fontAlgn="auto" latinLnBrk="0" hangingPunct="1">
+                        <a:lnSpc>
+                          <a:spcPct val="100000"/>
+                        </a:lnSpc>
+                        <a:spcBef>
+                          <a:spcPts val="0"/>
+                        </a:spcBef>
+                        <a:spcAft>
+                          <a:spcPts val="0"/>
+                        </a:spcAft>
+                        <a:buClrTx/>
+                        <a:buSzTx/>
+                        <a:buFont typeface="Arial" panose="020B0604020202020204" pitchFamily="34" charset="0"/>
+                        <a:buChar char="•"/>
+                        <a:tabLst/>
+                        <a:defRPr/>
+                      </a:pPr>
+                      <a:endParaRPr lang="en-US" baseline="0" dirty="0" smtClean="0"/>
+                    </a:p>
+                    <a:p>
+                      <a:pPr marL="285750" marR="0" indent="-285750" algn="l" defTabSz="457200" rtl="0" eaLnBrk="1" fontAlgn="auto" latinLnBrk="0" hangingPunct="1">
+                        <a:lnSpc>
+                          <a:spcPct val="100000"/>
+                        </a:lnSpc>
+                        <a:spcBef>
+                          <a:spcPts val="0"/>
+                        </a:spcBef>
+                        <a:spcAft>
+                          <a:spcPts val="0"/>
+                        </a:spcAft>
+                        <a:buClrTx/>
+                        <a:buSzTx/>
+                        <a:buFont typeface="Arial" panose="020B0604020202020204" pitchFamily="34" charset="0"/>
+                        <a:buChar char="•"/>
+                        <a:tabLst/>
+                        <a:defRPr/>
+                      </a:pPr>
+                      <a:r>
+                        <a:rPr lang="en-US" baseline="0" dirty="0" smtClean="0"/>
+                        <a:t>Sellers need to focus on negative reviews</a:t>
+                      </a:r>
+                    </a:p>
+                    <a:p>
+                      <a:pPr marL="285750" marR="0" indent="-285750" algn="l" defTabSz="457200" rtl="0" eaLnBrk="1" fontAlgn="auto" latinLnBrk="0" hangingPunct="1">
+                        <a:lnSpc>
+                          <a:spcPct val="100000"/>
+                        </a:lnSpc>
+                        <a:spcBef>
+                          <a:spcPts val="0"/>
+                        </a:spcBef>
+                        <a:spcAft>
+                          <a:spcPts val="0"/>
+                        </a:spcAft>
+                        <a:buClrTx/>
+                        <a:buSzTx/>
+                        <a:buFont typeface="Arial" panose="020B0604020202020204" pitchFamily="34" charset="0"/>
+                        <a:buChar char="•"/>
+                        <a:tabLst/>
+                        <a:defRPr/>
+                      </a:pPr>
+                      <a:endParaRPr lang="en-US" baseline="0" dirty="0" smtClean="0"/>
+                    </a:p>
+                    <a:p>
+                      <a:pPr marL="742950" marR="0" lvl="1" indent="-285750" algn="l" defTabSz="457200" rtl="0" eaLnBrk="1" fontAlgn="auto" latinLnBrk="0" hangingPunct="1">
+                        <a:lnSpc>
+                          <a:spcPct val="100000"/>
+                        </a:lnSpc>
+                        <a:spcBef>
+                          <a:spcPts val="0"/>
+                        </a:spcBef>
+                        <a:spcAft>
+                          <a:spcPts val="0"/>
+                        </a:spcAft>
+                        <a:buClrTx/>
+                        <a:buSzTx/>
+                        <a:buFont typeface="Arial" panose="020B0604020202020204" pitchFamily="34" charset="0"/>
+                        <a:buChar char="•"/>
+                        <a:tabLst/>
+                        <a:defRPr/>
+                      </a:pPr>
+                      <a:r>
+                        <a:rPr lang="en-US" dirty="0" smtClean="0"/>
+                        <a:t>Majority of reviews would be positive</a:t>
+                      </a:r>
+                    </a:p>
+                    <a:p>
+                      <a:pPr marL="742950" marR="0" lvl="1" indent="-285750" algn="l" defTabSz="457200" rtl="0" eaLnBrk="1" fontAlgn="auto" latinLnBrk="0" hangingPunct="1">
+                        <a:lnSpc>
+                          <a:spcPct val="100000"/>
+                        </a:lnSpc>
+                        <a:spcBef>
+                          <a:spcPts val="0"/>
+                        </a:spcBef>
+                        <a:spcAft>
+                          <a:spcPts val="0"/>
+                        </a:spcAft>
+                        <a:buClrTx/>
+                        <a:buSzTx/>
+                        <a:buFont typeface="Arial" panose="020B0604020202020204" pitchFamily="34" charset="0"/>
+                        <a:buChar char="•"/>
+                        <a:tabLst/>
+                        <a:defRPr/>
+                      </a:pPr>
+                      <a:endParaRPr lang="en-US" dirty="0" smtClean="0"/>
+                    </a:p>
+                    <a:p>
+                      <a:pPr marL="742950" marR="0" lvl="1" indent="-285750" algn="l" defTabSz="457200" rtl="0" eaLnBrk="1" fontAlgn="auto" latinLnBrk="0" hangingPunct="1">
+                        <a:lnSpc>
+                          <a:spcPct val="100000"/>
+                        </a:lnSpc>
+                        <a:spcBef>
+                          <a:spcPts val="0"/>
+                        </a:spcBef>
+                        <a:spcAft>
+                          <a:spcPts val="0"/>
+                        </a:spcAft>
+                        <a:buClrTx/>
+                        <a:buSzTx/>
+                        <a:buFont typeface="Arial" panose="020B0604020202020204" pitchFamily="34" charset="0"/>
+                        <a:buChar char="•"/>
+                        <a:tabLst/>
+                        <a:defRPr/>
+                      </a:pPr>
+                      <a:r>
+                        <a:rPr lang="en-US" dirty="0" smtClean="0"/>
+                        <a:t>Therefore</a:t>
+                      </a:r>
+                      <a:r>
+                        <a:rPr lang="en-US" baseline="0" dirty="0" smtClean="0"/>
+                        <a:t> focus on what you can change</a:t>
+                      </a:r>
+                      <a:endParaRPr lang="en-US" dirty="0"/>
+                    </a:p>
+                  </a:txBody>
+                  <a:tcPr/>
+                </a:tc>
+              </a:tr>
+            </a:tbl>
+          </a:graphicData>
+        </a:graphic>
+      </p:graphicFrame>
+    </p:spTree>
+    <p:extLst>
+      <p:ext uri="{BB962C8B-B14F-4D97-AF65-F5344CB8AC3E}">
+        <p14:creationId xmlns:p14="http://schemas.microsoft.com/office/powerpoint/2010/main" val="3453579497"/>
       </p:ext>
     </p:extLst>
   </p:cSld>
@@ -6655,6 +7066,684 @@
     <p:extLst>
       <p:ext uri="{BB962C8B-B14F-4D97-AF65-F5344CB8AC3E}">
         <p14:creationId xmlns:p14="http://schemas.microsoft.com/office/powerpoint/2010/main" val="70184785"/>
+      </p:ext>
+    </p:extLst>
+  </p:cSld>
+  <p:clrMapOvr>
+    <a:masterClrMapping/>
+  </p:clrMapOvr>
+  <p:timing>
+    <p:tnLst>
+      <p:par>
+        <p:cTn id="1" dur="indefinite" restart="never" nodeType="tmRoot"/>
+      </p:par>
+    </p:tnLst>
+  </p:timing>
+</p:sld>
+</file>
+
+<file path=ppt/slides/slide20.xml><?xml version="1.0" encoding="utf-8"?>
+<p:sld xmlns:a="http://schemas.openxmlformats.org/drawingml/2006/main" xmlns:r="http://schemas.openxmlformats.org/officeDocument/2006/relationships" xmlns:p="http://schemas.openxmlformats.org/presentationml/2006/main">
+  <p:cSld>
+    <p:spTree>
+      <p:nvGrpSpPr>
+        <p:cNvPr id="1" name=""/>
+        <p:cNvGrpSpPr/>
+        <p:nvPr/>
+      </p:nvGrpSpPr>
+      <p:grpSpPr>
+        <a:xfrm>
+          <a:off x="0" y="0"/>
+          <a:ext cx="0" cy="0"/>
+          <a:chOff x="0" y="0"/>
+          <a:chExt cx="0" cy="0"/>
+        </a:xfrm>
+      </p:grpSpPr>
+      <p:sp>
+        <p:nvSpPr>
+          <p:cNvPr id="2" name="Title 1"/>
+          <p:cNvSpPr>
+            <a:spLocks noGrp="1"/>
+          </p:cNvSpPr>
+          <p:nvPr>
+            <p:ph type="title"/>
+          </p:nvPr>
+        </p:nvSpPr>
+        <p:spPr>
+          <a:xfrm>
+            <a:off x="243446" y="5849614"/>
+            <a:ext cx="9119545" cy="958120"/>
+          </a:xfrm>
+        </p:spPr>
+        <p:txBody>
+          <a:bodyPr>
+            <a:normAutofit/>
+          </a:bodyPr>
+          <a:lstStyle/>
+          <a:p>
+            <a:r>
+              <a:rPr lang="en-US" sz="1800" b="1" dirty="0" smtClean="0"/>
+              <a:t>Use Case – Example - </a:t>
+            </a:r>
+            <a:r>
+              <a:rPr lang="en-US" sz="1800" b="1" dirty="0"/>
+              <a:t>Seiki SE39UY04 39-Inch 4K Ultra HD 120Hz LED TV</a:t>
+            </a:r>
+            <a:br>
+              <a:rPr lang="en-US" sz="1800" b="1" dirty="0"/>
+            </a:br>
+            <a:r>
+              <a:rPr lang="en-US" sz="900" b="1" dirty="0"/>
+              <a:t>http://www.amazon.com/Seiki-SE39UY04-39-Inch-Ultra-120Hz/dp/B00DOPGO2G/ref=sr_1_32?s=tv&amp;ie=UTF8&amp;qid=1418686622&amp;sr=1-32&amp;keywords=4k+TV</a:t>
+            </a:r>
+            <a:r>
+              <a:rPr lang="en-US" sz="1800" b="1" dirty="0"/>
+              <a:t/>
+            </a:r>
+            <a:br>
+              <a:rPr lang="en-US" sz="1800" b="1" dirty="0"/>
+            </a:br>
+            <a:endParaRPr lang="en-US" sz="1800" b="1" dirty="0"/>
+          </a:p>
+        </p:txBody>
+      </p:sp>
+      <p:pic>
+        <p:nvPicPr>
+          <p:cNvPr id="8" name="Content Placeholder 7"/>
+          <p:cNvPicPr>
+            <a:picLocks noGrp="1" noChangeAspect="1"/>
+          </p:cNvPicPr>
+          <p:nvPr>
+            <p:ph idx="1"/>
+          </p:nvPr>
+        </p:nvPicPr>
+        <p:blipFill>
+          <a:blip r:embed="rId2"/>
+          <a:stretch>
+            <a:fillRect/>
+          </a:stretch>
+        </p:blipFill>
+        <p:spPr>
+          <a:xfrm>
+            <a:off x="243446" y="3450316"/>
+            <a:ext cx="11654403" cy="2324842"/>
+          </a:xfrm>
+          <a:prstGeom prst="rect">
+            <a:avLst/>
+          </a:prstGeom>
+        </p:spPr>
+      </p:pic>
+      <p:pic>
+        <p:nvPicPr>
+          <p:cNvPr id="6" name="Picture 5"/>
+          <p:cNvPicPr>
+            <a:picLocks noChangeAspect="1"/>
+          </p:cNvPicPr>
+          <p:nvPr/>
+        </p:nvPicPr>
+        <p:blipFill>
+          <a:blip r:embed="rId3"/>
+          <a:stretch>
+            <a:fillRect/>
+          </a:stretch>
+        </p:blipFill>
+        <p:spPr>
+          <a:xfrm>
+            <a:off x="243447" y="100263"/>
+            <a:ext cx="8274158" cy="3275597"/>
+          </a:xfrm>
+          <a:prstGeom prst="rect">
+            <a:avLst/>
+          </a:prstGeom>
+        </p:spPr>
+      </p:pic>
+      <p:pic>
+        <p:nvPicPr>
+          <p:cNvPr id="7" name="Picture 6"/>
+          <p:cNvPicPr>
+            <a:picLocks noChangeAspect="1"/>
+          </p:cNvPicPr>
+          <p:nvPr/>
+        </p:nvPicPr>
+        <p:blipFill>
+          <a:blip r:embed="rId4"/>
+          <a:stretch>
+            <a:fillRect/>
+          </a:stretch>
+        </p:blipFill>
+        <p:spPr>
+          <a:xfrm>
+            <a:off x="8517605" y="100263"/>
+            <a:ext cx="2190750" cy="2276475"/>
+          </a:xfrm>
+          <a:prstGeom prst="rect">
+            <a:avLst/>
+          </a:prstGeom>
+        </p:spPr>
+      </p:pic>
+    </p:spTree>
+    <p:extLst>
+      <p:ext uri="{BB962C8B-B14F-4D97-AF65-F5344CB8AC3E}">
+        <p14:creationId xmlns:p14="http://schemas.microsoft.com/office/powerpoint/2010/main" val="2050924888"/>
+      </p:ext>
+    </p:extLst>
+  </p:cSld>
+  <p:clrMapOvr>
+    <a:masterClrMapping/>
+  </p:clrMapOvr>
+  <p:timing>
+    <p:tnLst>
+      <p:par>
+        <p:cTn id="1" dur="indefinite" restart="never" nodeType="tmRoot"/>
+      </p:par>
+    </p:tnLst>
+  </p:timing>
+</p:sld>
+</file>
+
+<file path=ppt/slides/slide21.xml><?xml version="1.0" encoding="utf-8"?>
+<p:sld xmlns:a="http://schemas.openxmlformats.org/drawingml/2006/main" xmlns:r="http://schemas.openxmlformats.org/officeDocument/2006/relationships" xmlns:p="http://schemas.openxmlformats.org/presentationml/2006/main">
+  <p:cSld>
+    <p:spTree>
+      <p:nvGrpSpPr>
+        <p:cNvPr id="1" name=""/>
+        <p:cNvGrpSpPr/>
+        <p:nvPr/>
+      </p:nvGrpSpPr>
+      <p:grpSpPr>
+        <a:xfrm>
+          <a:off x="0" y="0"/>
+          <a:ext cx="0" cy="0"/>
+          <a:chOff x="0" y="0"/>
+          <a:chExt cx="0" cy="0"/>
+        </a:xfrm>
+      </p:grpSpPr>
+      <p:sp>
+        <p:nvSpPr>
+          <p:cNvPr id="2" name="Title 1"/>
+          <p:cNvSpPr>
+            <a:spLocks noGrp="1"/>
+          </p:cNvSpPr>
+          <p:nvPr>
+            <p:ph type="title"/>
+          </p:nvPr>
+        </p:nvSpPr>
+        <p:spPr>
+          <a:xfrm>
+            <a:off x="684212" y="5735052"/>
+            <a:ext cx="8534400" cy="917073"/>
+          </a:xfrm>
+        </p:spPr>
+        <p:txBody>
+          <a:bodyPr/>
+          <a:lstStyle/>
+          <a:p>
+            <a:r>
+              <a:rPr lang="en-US" dirty="0" smtClean="0"/>
+              <a:t>Challenges</a:t>
+            </a:r>
+            <a:endParaRPr lang="en-US" dirty="0"/>
+          </a:p>
+        </p:txBody>
+      </p:sp>
+      <p:sp>
+        <p:nvSpPr>
+          <p:cNvPr id="3" name="Content Placeholder 2"/>
+          <p:cNvSpPr>
+            <a:spLocks noGrp="1"/>
+          </p:cNvSpPr>
+          <p:nvPr>
+            <p:ph idx="1"/>
+          </p:nvPr>
+        </p:nvSpPr>
+        <p:spPr>
+          <a:xfrm>
+            <a:off x="684212" y="685800"/>
+            <a:ext cx="10200356" cy="4888832"/>
+          </a:xfrm>
+        </p:spPr>
+        <p:txBody>
+          <a:bodyPr>
+            <a:normAutofit lnSpcReduction="10000"/>
+          </a:bodyPr>
+          <a:lstStyle/>
+          <a:p>
+            <a:r>
+              <a:rPr lang="en-US" sz="2400" dirty="0" smtClean="0"/>
+              <a:t>75 % of time spent on data transformation (obtaining, transforming and cleaning the data)</a:t>
+            </a:r>
+          </a:p>
+          <a:p>
+            <a:r>
+              <a:rPr lang="en-US" sz="2400" dirty="0" smtClean="0"/>
+              <a:t>Cannot understand why Stanford does not supply the data in csv form</a:t>
+            </a:r>
+          </a:p>
+          <a:p>
+            <a:r>
+              <a:rPr lang="en-US" sz="2400" dirty="0" smtClean="0"/>
+              <a:t>Amazon website very difficult to parse – cannot directly identify required fields using CSS only, have to parse each row</a:t>
+            </a:r>
+          </a:p>
+          <a:p>
+            <a:r>
+              <a:rPr lang="en-US" sz="2400" dirty="0" smtClean="0"/>
+              <a:t>Alchemy API does not provide an API for R, therefore need to use HTML, much more </a:t>
+            </a:r>
+            <a:r>
+              <a:rPr lang="en-US" sz="2400" dirty="0" smtClean="0"/>
+              <a:t>challenging</a:t>
+            </a:r>
+          </a:p>
+          <a:p>
+            <a:r>
+              <a:rPr lang="en-US" sz="2400" dirty="0" smtClean="0"/>
+              <a:t>Storing data as </a:t>
+            </a:r>
+            <a:r>
+              <a:rPr lang="en-US" sz="2400" dirty="0" err="1" smtClean="0"/>
+              <a:t>Rdata</a:t>
+            </a:r>
+            <a:r>
+              <a:rPr lang="en-US" sz="2400" dirty="0" smtClean="0"/>
+              <a:t> files makes it much easier to distribute (small file size, 1/6 CSV</a:t>
+            </a:r>
+            <a:r>
+              <a:rPr lang="en-US" dirty="0" smtClean="0"/>
+              <a:t>)</a:t>
+            </a:r>
+          </a:p>
+          <a:p>
+            <a:r>
+              <a:rPr lang="en-US" sz="2400" dirty="0" smtClean="0"/>
+              <a:t>Running/Loading</a:t>
+            </a:r>
+            <a:r>
+              <a:rPr lang="en-US" dirty="0" smtClean="0"/>
+              <a:t>  data files from GitHub is problematic</a:t>
+            </a:r>
+            <a:endParaRPr lang="en-US" dirty="0" smtClean="0"/>
+          </a:p>
+          <a:p>
+            <a:endParaRPr lang="en-US" dirty="0"/>
+          </a:p>
+        </p:txBody>
+      </p:sp>
+    </p:spTree>
+    <p:extLst>
+      <p:ext uri="{BB962C8B-B14F-4D97-AF65-F5344CB8AC3E}">
+        <p14:creationId xmlns:p14="http://schemas.microsoft.com/office/powerpoint/2010/main" val="112217380"/>
+      </p:ext>
+    </p:extLst>
+  </p:cSld>
+  <p:clrMapOvr>
+    <a:masterClrMapping/>
+  </p:clrMapOvr>
+  <p:timing>
+    <p:tnLst>
+      <p:par>
+        <p:cTn id="1" dur="indefinite" restart="never" nodeType="tmRoot"/>
+      </p:par>
+    </p:tnLst>
+  </p:timing>
+</p:sld>
+</file>
+
+<file path=ppt/slides/slide22.xml><?xml version="1.0" encoding="utf-8"?>
+<p:sld xmlns:a="http://schemas.openxmlformats.org/drawingml/2006/main" xmlns:r="http://schemas.openxmlformats.org/officeDocument/2006/relationships" xmlns:p="http://schemas.openxmlformats.org/presentationml/2006/main">
+  <p:cSld>
+    <p:spTree>
+      <p:nvGrpSpPr>
+        <p:cNvPr id="1" name=""/>
+        <p:cNvGrpSpPr/>
+        <p:nvPr/>
+      </p:nvGrpSpPr>
+      <p:grpSpPr>
+        <a:xfrm>
+          <a:off x="0" y="0"/>
+          <a:ext cx="0" cy="0"/>
+          <a:chOff x="0" y="0"/>
+          <a:chExt cx="0" cy="0"/>
+        </a:xfrm>
+      </p:grpSpPr>
+      <p:sp>
+        <p:nvSpPr>
+          <p:cNvPr id="2" name="Title 1"/>
+          <p:cNvSpPr>
+            <a:spLocks noGrp="1"/>
+          </p:cNvSpPr>
+          <p:nvPr>
+            <p:ph type="title"/>
+          </p:nvPr>
+        </p:nvSpPr>
+        <p:spPr/>
+        <p:txBody>
+          <a:bodyPr/>
+          <a:lstStyle/>
+          <a:p>
+            <a:r>
+              <a:rPr lang="en-US" dirty="0" smtClean="0"/>
+              <a:t>Takeaways</a:t>
+            </a:r>
+            <a:endParaRPr lang="en-US" dirty="0"/>
+          </a:p>
+        </p:txBody>
+      </p:sp>
+      <p:sp>
+        <p:nvSpPr>
+          <p:cNvPr id="3" name="Content Placeholder 2"/>
+          <p:cNvSpPr>
+            <a:spLocks noGrp="1"/>
+          </p:cNvSpPr>
+          <p:nvPr>
+            <p:ph idx="1"/>
+          </p:nvPr>
+        </p:nvSpPr>
+        <p:spPr/>
+        <p:txBody>
+          <a:bodyPr/>
+          <a:lstStyle/>
+          <a:p>
+            <a:r>
+              <a:rPr lang="en-US" dirty="0" smtClean="0"/>
+              <a:t>Obtaining the data (acquiring, transformation and cleaning) is the most difficult part of data analytics</a:t>
+            </a:r>
+          </a:p>
+          <a:p>
+            <a:r>
+              <a:rPr lang="en-US" dirty="0" smtClean="0"/>
+              <a:t>Web scrapping should be the last resort – APIs first </a:t>
+            </a:r>
+          </a:p>
+          <a:p>
+            <a:r>
+              <a:rPr lang="en-US" dirty="0" smtClean="0"/>
+              <a:t>Tons and tons of tools available for data mash ups, which allow much more detailed information to be obtained</a:t>
+            </a:r>
+          </a:p>
+          <a:p>
+            <a:r>
+              <a:rPr lang="en-US" dirty="0" smtClean="0"/>
+              <a:t>R has the tm package for text mining and the sentiment package for sentiment analysis which provides similar functionality to that of Alchemy API</a:t>
+            </a:r>
+          </a:p>
+          <a:p>
+            <a:endParaRPr lang="en-US" dirty="0"/>
+          </a:p>
+        </p:txBody>
+      </p:sp>
+    </p:spTree>
+    <p:extLst>
+      <p:ext uri="{BB962C8B-B14F-4D97-AF65-F5344CB8AC3E}">
+        <p14:creationId xmlns:p14="http://schemas.microsoft.com/office/powerpoint/2010/main" val="3890269560"/>
+      </p:ext>
+    </p:extLst>
+  </p:cSld>
+  <p:clrMapOvr>
+    <a:masterClrMapping/>
+  </p:clrMapOvr>
+  <p:timing>
+    <p:tnLst>
+      <p:par>
+        <p:cTn id="1" dur="indefinite" restart="never" nodeType="tmRoot"/>
+      </p:par>
+    </p:tnLst>
+  </p:timing>
+</p:sld>
+</file>
+
+<file path=ppt/slides/slide23.xml><?xml version="1.0" encoding="utf-8"?>
+<p:sld xmlns:a="http://schemas.openxmlformats.org/drawingml/2006/main" xmlns:r="http://schemas.openxmlformats.org/officeDocument/2006/relationships" xmlns:p="http://schemas.openxmlformats.org/presentationml/2006/main">
+  <p:cSld>
+    <p:spTree>
+      <p:nvGrpSpPr>
+        <p:cNvPr id="1" name=""/>
+        <p:cNvGrpSpPr/>
+        <p:nvPr/>
+      </p:nvGrpSpPr>
+      <p:grpSpPr>
+        <a:xfrm>
+          <a:off x="0" y="0"/>
+          <a:ext cx="0" cy="0"/>
+          <a:chOff x="0" y="0"/>
+          <a:chExt cx="0" cy="0"/>
+        </a:xfrm>
+      </p:grpSpPr>
+      <p:sp>
+        <p:nvSpPr>
+          <p:cNvPr id="2" name="Title 1"/>
+          <p:cNvSpPr>
+            <a:spLocks noGrp="1"/>
+          </p:cNvSpPr>
+          <p:nvPr>
+            <p:ph type="title"/>
+          </p:nvPr>
+        </p:nvSpPr>
+        <p:spPr/>
+        <p:txBody>
+          <a:bodyPr/>
+          <a:lstStyle/>
+          <a:p>
+            <a:r>
+              <a:rPr lang="en-US" dirty="0" smtClean="0"/>
+              <a:t>Future Strategies?</a:t>
+            </a:r>
+            <a:endParaRPr lang="en-US" dirty="0"/>
+          </a:p>
+        </p:txBody>
+      </p:sp>
+      <p:sp>
+        <p:nvSpPr>
+          <p:cNvPr id="3" name="Content Placeholder 2"/>
+          <p:cNvSpPr>
+            <a:spLocks noGrp="1"/>
+          </p:cNvSpPr>
+          <p:nvPr>
+            <p:ph idx="1"/>
+          </p:nvPr>
+        </p:nvSpPr>
+        <p:spPr>
+          <a:xfrm>
+            <a:off x="684212" y="685800"/>
+            <a:ext cx="8534400" cy="4239126"/>
+          </a:xfrm>
+        </p:spPr>
+        <p:txBody>
+          <a:bodyPr/>
+          <a:lstStyle/>
+          <a:p>
+            <a:r>
+              <a:rPr lang="en-US" dirty="0" smtClean="0"/>
+              <a:t>Text mining reviews – what makes reviews helpful?</a:t>
+            </a:r>
+          </a:p>
+          <a:p>
+            <a:r>
+              <a:rPr lang="en-US" dirty="0" smtClean="0"/>
+              <a:t>Characteristics of good reviewers</a:t>
+            </a:r>
+          </a:p>
+          <a:p>
+            <a:pPr lvl="1"/>
+            <a:r>
+              <a:rPr lang="en-US" dirty="0" smtClean="0"/>
+              <a:t>Education?</a:t>
+            </a:r>
+          </a:p>
+          <a:p>
+            <a:pPr lvl="1"/>
+            <a:r>
+              <a:rPr lang="en-US" dirty="0" smtClean="0"/>
+              <a:t>Number of reviews?</a:t>
+            </a:r>
+          </a:p>
+          <a:p>
+            <a:pPr lvl="1"/>
+            <a:r>
+              <a:rPr lang="en-US" dirty="0" smtClean="0"/>
+              <a:t>Helpfulness score over time?</a:t>
+            </a:r>
+          </a:p>
+          <a:p>
+            <a:pPr lvl="1"/>
+            <a:r>
+              <a:rPr lang="en-US" dirty="0" smtClean="0"/>
+              <a:t>Limited to specific categories of items?</a:t>
+            </a:r>
+          </a:p>
+          <a:p>
+            <a:r>
+              <a:rPr lang="en-US" dirty="0" smtClean="0"/>
+              <a:t>Does helpfulness of reviews influence buying (positive or negative?)</a:t>
+            </a:r>
+            <a:br>
+              <a:rPr lang="en-US" dirty="0" smtClean="0"/>
+            </a:br>
+            <a:endParaRPr lang="en-US" dirty="0"/>
+          </a:p>
+        </p:txBody>
+      </p:sp>
+    </p:spTree>
+    <p:extLst>
+      <p:ext uri="{BB962C8B-B14F-4D97-AF65-F5344CB8AC3E}">
+        <p14:creationId xmlns:p14="http://schemas.microsoft.com/office/powerpoint/2010/main" val="4167462118"/>
+      </p:ext>
+    </p:extLst>
+  </p:cSld>
+  <p:clrMapOvr>
+    <a:masterClrMapping/>
+  </p:clrMapOvr>
+  <p:timing>
+    <p:tnLst>
+      <p:par>
+        <p:cTn id="1" dur="indefinite" restart="never" nodeType="tmRoot"/>
+      </p:par>
+    </p:tnLst>
+  </p:timing>
+</p:sld>
+</file>
+
+<file path=ppt/slides/slide24.xml><?xml version="1.0" encoding="utf-8"?>
+<p:sld xmlns:a="http://schemas.openxmlformats.org/drawingml/2006/main" xmlns:r="http://schemas.openxmlformats.org/officeDocument/2006/relationships" xmlns:p="http://schemas.openxmlformats.org/presentationml/2006/main">
+  <p:cSld>
+    <p:spTree>
+      <p:nvGrpSpPr>
+        <p:cNvPr id="1" name=""/>
+        <p:cNvGrpSpPr/>
+        <p:nvPr/>
+      </p:nvGrpSpPr>
+      <p:grpSpPr>
+        <a:xfrm>
+          <a:off x="0" y="0"/>
+          <a:ext cx="0" cy="0"/>
+          <a:chOff x="0" y="0"/>
+          <a:chExt cx="0" cy="0"/>
+        </a:xfrm>
+      </p:grpSpPr>
+      <p:sp>
+        <p:nvSpPr>
+          <p:cNvPr id="2" name="Title 1"/>
+          <p:cNvSpPr>
+            <a:spLocks noGrp="1"/>
+          </p:cNvSpPr>
+          <p:nvPr>
+            <p:ph type="title"/>
+          </p:nvPr>
+        </p:nvSpPr>
+        <p:spPr>
+          <a:xfrm>
+            <a:off x="716296" y="5177143"/>
+            <a:ext cx="8534400" cy="1507067"/>
+          </a:xfrm>
+        </p:spPr>
+        <p:txBody>
+          <a:bodyPr/>
+          <a:lstStyle/>
+          <a:p>
+            <a:r>
+              <a:rPr lang="en-US" dirty="0" smtClean="0"/>
+              <a:t>Questions?</a:t>
+            </a:r>
+            <a:endParaRPr lang="en-US" dirty="0"/>
+          </a:p>
+        </p:txBody>
+      </p:sp>
+      <p:pic>
+        <p:nvPicPr>
+          <p:cNvPr id="5" name="Picture 4"/>
+          <p:cNvPicPr>
+            <a:picLocks noChangeAspect="1"/>
+          </p:cNvPicPr>
+          <p:nvPr/>
+        </p:nvPicPr>
+        <p:blipFill>
+          <a:blip r:embed="rId2"/>
+          <a:stretch>
+            <a:fillRect/>
+          </a:stretch>
+        </p:blipFill>
+        <p:spPr>
+          <a:xfrm>
+            <a:off x="911059" y="35719"/>
+            <a:ext cx="3708685" cy="3135591"/>
+          </a:xfrm>
+          <a:prstGeom prst="rect">
+            <a:avLst/>
+          </a:prstGeom>
+        </p:spPr>
+      </p:pic>
+      <p:pic>
+        <p:nvPicPr>
+          <p:cNvPr id="8" name="Picture 7"/>
+          <p:cNvPicPr>
+            <a:picLocks noChangeAspect="1"/>
+          </p:cNvPicPr>
+          <p:nvPr/>
+        </p:nvPicPr>
+        <p:blipFill>
+          <a:blip r:embed="rId3"/>
+          <a:stretch>
+            <a:fillRect/>
+          </a:stretch>
+        </p:blipFill>
+        <p:spPr>
+          <a:xfrm>
+            <a:off x="4619744" y="35718"/>
+            <a:ext cx="5454051" cy="3135591"/>
+          </a:xfrm>
+          <a:prstGeom prst="rect">
+            <a:avLst/>
+          </a:prstGeom>
+        </p:spPr>
+      </p:pic>
+      <p:pic>
+        <p:nvPicPr>
+          <p:cNvPr id="12" name="Picture 11"/>
+          <p:cNvPicPr>
+            <a:picLocks noChangeAspect="1"/>
+          </p:cNvPicPr>
+          <p:nvPr/>
+        </p:nvPicPr>
+        <p:blipFill>
+          <a:blip r:embed="rId4"/>
+          <a:stretch>
+            <a:fillRect/>
+          </a:stretch>
+        </p:blipFill>
+        <p:spPr>
+          <a:xfrm>
+            <a:off x="4616672" y="3171309"/>
+            <a:ext cx="5460195" cy="3104700"/>
+          </a:xfrm>
+          <a:prstGeom prst="rect">
+            <a:avLst/>
+          </a:prstGeom>
+        </p:spPr>
+      </p:pic>
+    </p:spTree>
+    <p:extLst>
+      <p:ext uri="{BB962C8B-B14F-4D97-AF65-F5344CB8AC3E}">
+        <p14:creationId xmlns:p14="http://schemas.microsoft.com/office/powerpoint/2010/main" val="2131853545"/>
       </p:ext>
     </p:extLst>
   </p:cSld>
@@ -7275,7 +8364,7 @@
             <p:ph idx="1"/>
             <p:extLst>
               <p:ext uri="{D42A27DB-BD31-4B8C-83A1-F6EECF244321}">
-                <p14:modId xmlns:p14="http://schemas.microsoft.com/office/powerpoint/2010/main" val="1445279708"/>
+                <p14:modId xmlns:p14="http://schemas.microsoft.com/office/powerpoint/2010/main" val="2332485271"/>
               </p:ext>
             </p:extLst>
           </p:nvPr>
@@ -7454,7 +8543,11 @@
                       </a:r>
                       <a:r>
                         <a:rPr lang="en-US" baseline="0" dirty="0" smtClean="0"/>
-                        <a:t> and receive</a:t>
+                        <a:t> and </a:t>
+                      </a:r>
+                      <a:r>
+                        <a:rPr lang="en-US" baseline="0" dirty="0" smtClean="0"/>
+                        <a:t>get</a:t>
                       </a:r>
                       <a:endParaRPr lang="en-US" dirty="0"/>
                     </a:p>
@@ -7687,11 +8780,15 @@
             </a:r>
             <a:r>
               <a:rPr lang="en-US" dirty="0" err="1" smtClean="0"/>
-              <a:t>Rdata</a:t>
+              <a:t>RData</a:t>
             </a:r>
             <a:r>
               <a:rPr lang="en-US" dirty="0" smtClean="0"/>
-              <a:t> files </a:t>
+              <a:t> </a:t>
+            </a:r>
+            <a:r>
+              <a:rPr lang="en-US" dirty="0" smtClean="0"/>
+              <a:t>files </a:t>
             </a:r>
           </a:p>
           <a:p>
